--- a/Módulo II/estadistica descriptiva y probabilidad/tipos-de-datos.pptx
+++ b/Módulo II/estadistica descriptiva y probabilidad/tipos-de-datos.pptx
@@ -9,6 +9,12 @@
     <p:sldId id="257" r:id="rId3"/>
     <p:sldId id="258" r:id="rId4"/>
     <p:sldId id="259" r:id="rId5"/>
+    <p:sldId id="260" r:id="rId6"/>
+    <p:sldId id="261" r:id="rId7"/>
+    <p:sldId id="262" r:id="rId8"/>
+    <p:sldId id="263" r:id="rId9"/>
+    <p:sldId id="264" r:id="rId10"/>
+    <p:sldId id="265" r:id="rId11"/>
   </p:sldIdLst>
   <p:sldSz cx="9144000" cy="6858000" type="screen4x3"/>
   <p:notesSz cx="6858000" cy="9144000"/>
@@ -3238,6 +3244,192 @@
 </p:sld>
 </file>
 
+<file path=ppt/slides/slide10.xml><?xml version="1.0" encoding="utf-8"?>
+<p:sld xmlns:a="http://schemas.openxmlformats.org/drawingml/2006/main" xmlns:r="http://schemas.openxmlformats.org/officeDocument/2006/relationships" xmlns:p="http://schemas.openxmlformats.org/presentationml/2006/main">
+  <p:cSld>
+    <p:spTree>
+      <p:nvGrpSpPr>
+        <p:cNvPr id="1" name=""/>
+        <p:cNvGrpSpPr/>
+        <p:nvPr/>
+      </p:nvGrpSpPr>
+      <p:grpSpPr>
+        <a:xfrm>
+          <a:off x="0" y="0"/>
+          <a:ext cx="0" cy="0"/>
+          <a:chOff x="0" y="0"/>
+          <a:chExt cx="0" cy="0"/>
+        </a:xfrm>
+      </p:grpSpPr>
+      <p:sp>
+        <p:nvSpPr>
+          <p:cNvPr id="2" name="Title 1"/>
+          <p:cNvSpPr>
+            <a:spLocks noGrp="1"/>
+          </p:cNvSpPr>
+          <p:nvPr>
+            <p:ph type="title"/>
+          </p:nvPr>
+        </p:nvSpPr>
+        <p:spPr/>
+        <p:txBody>
+          <a:bodyPr/>
+          <a:lstStyle/>
+          <a:p>
+            <a:pPr lvl="0" marL="0" indent="0">
+              <a:buNone/>
+            </a:pPr>
+            <a:r>
+              <a:rPr/>
+              <a:t>Ejemplo</a:t>
+            </a:r>
+            <a:r>
+              <a:rPr/>
+              <a:t> </a:t>
+            </a:r>
+            <a:r>
+              <a:rPr/>
+              <a:t>ingreso</a:t>
+            </a:r>
+            <a:r>
+              <a:rPr/>
+              <a:t> </a:t>
+            </a:r>
+            <a:r>
+              <a:rPr/>
+              <a:t>categorizado</a:t>
+            </a:r>
+            <a:r>
+              <a:rPr/>
+              <a:t> </a:t>
+            </a:r>
+            <a:r>
+              <a:rPr/>
+              <a:t>o</a:t>
+            </a:r>
+            <a:r>
+              <a:rPr/>
+              <a:t> </a:t>
+            </a:r>
+            <a:r>
+              <a:rPr/>
+              <a:t>factor</a:t>
+            </a:r>
+          </a:p>
+        </p:txBody>
+      </p:sp>
+      <p:sp>
+        <p:nvSpPr>
+          <p:cNvPr id="3" name="Content Placeholder 2"/>
+          <p:cNvSpPr>
+            <a:spLocks noGrp="1"/>
+          </p:cNvSpPr>
+          <p:nvPr>
+            <p:ph idx="1"/>
+          </p:nvPr>
+        </p:nvSpPr>
+        <p:spPr/>
+        <p:txBody>
+          <a:bodyPr/>
+          <a:lstStyle/>
+          <a:p>
+            <a:pPr lvl="0" indent="0">
+              <a:buNone/>
+            </a:pPr>
+            <a:r>
+              <a:rPr>
+                <a:latin typeface="Courier"/>
+              </a:rPr>
+              <a:t>ingreso </a:t>
+            </a:r>
+            <a:r>
+              <a:rPr>
+                <a:solidFill>
+                  <a:srgbClr val="007020"/>
+                </a:solidFill>
+                <a:latin typeface="Courier"/>
+              </a:rPr>
+              <a:t>&lt;-</a:t>
+            </a:r>
+            <a:r>
+              <a:rPr>
+                <a:latin typeface="Courier"/>
+              </a:rPr>
+              <a:t> </a:t>
+            </a:r>
+            <a:r>
+              <a:rPr>
+                <a:solidFill>
+                  <a:srgbClr val="06287E"/>
+                </a:solidFill>
+                <a:latin typeface="Courier"/>
+              </a:rPr>
+              <a:t>as.factor</a:t>
+            </a:r>
+            <a:r>
+              <a:rPr>
+                <a:latin typeface="Courier"/>
+              </a:rPr>
+              <a:t>(ingreso)</a:t>
+            </a:r>
+            <a:br/>
+            <a:r>
+              <a:rPr>
+                <a:latin typeface="Courier"/>
+              </a:rPr>
+              <a:t>ingreso</a:t>
+            </a:r>
+          </a:p>
+          <a:p>
+            <a:pPr lvl="0" indent="0">
+              <a:buNone/>
+            </a:pPr>
+            <a:r>
+              <a:rPr>
+                <a:latin typeface="Courier"/>
+              </a:rPr>
+              <a:t>## [1] 1-5  5-10 5-15
+## Levels: 1-5 5-10 5-15</a:t>
+            </a:r>
+          </a:p>
+          <a:p>
+            <a:pPr lvl="0" indent="0">
+              <a:buNone/>
+            </a:pPr>
+            <a:r>
+              <a:rPr>
+                <a:solidFill>
+                  <a:srgbClr val="06287E"/>
+                </a:solidFill>
+                <a:latin typeface="Courier"/>
+              </a:rPr>
+              <a:t>class</a:t>
+            </a:r>
+            <a:r>
+              <a:rPr>
+                <a:latin typeface="Courier"/>
+              </a:rPr>
+              <a:t>(ingreso)</a:t>
+            </a:r>
+          </a:p>
+          <a:p>
+            <a:pPr lvl="0" indent="0">
+              <a:buNone/>
+            </a:pPr>
+            <a:r>
+              <a:rPr>
+                <a:latin typeface="Courier"/>
+              </a:rPr>
+              <a:t>## [1] "factor"</a:t>
+            </a:r>
+          </a:p>
+        </p:txBody>
+      </p:sp>
+    </p:spTree>
+  </p:cSld>
+</p:sld>
+</file>
+
 <file path=ppt/slides/slide2.xml><?xml version="1.0" encoding="utf-8"?>
 <p:sld xmlns:a="http://schemas.openxmlformats.org/drawingml/2006/main" xmlns:r="http://schemas.openxmlformats.org/officeDocument/2006/relationships" xmlns:p="http://schemas.openxmlformats.org/presentationml/2006/main">
   <p:cSld>
@@ -3387,6 +3579,15 @@
           <a:bodyPr/>
           <a:lstStyle/>
           <a:p>
+            <a:pPr lvl="0" marL="0" indent="0">
+              <a:buNone/>
+            </a:pPr>
+            <a:r>
+              <a:rPr/>
+              <a:t>Son datos cuantitativos</a:t>
+            </a:r>
+          </a:p>
+          <a:p>
             <a:pPr lvl="0" indent="0">
               <a:buNone/>
             </a:pPr>
@@ -3580,6 +3781,15 @@
           <a:bodyPr/>
           <a:lstStyle/>
           <a:p>
+            <a:pPr lvl="0" marL="0" indent="0">
+              <a:buNone/>
+            </a:pPr>
+            <a:r>
+              <a:rPr/>
+              <a:t>Son datos categóricos character string o texto o cualitativos</a:t>
+            </a:r>
+          </a:p>
+          <a:p>
             <a:pPr lvl="0" indent="0">
               <a:buNone/>
             </a:pPr>
@@ -3679,6 +3889,962 @@
                 <a:latin typeface="Courier"/>
               </a:rPr>
               <a:t>## [1] "DURANGO"</a:t>
+            </a:r>
+          </a:p>
+        </p:txBody>
+      </p:sp>
+    </p:spTree>
+  </p:cSld>
+</p:sld>
+</file>
+
+<file path=ppt/slides/slide5.xml><?xml version="1.0" encoding="utf-8"?>
+<p:sld xmlns:a="http://schemas.openxmlformats.org/drawingml/2006/main" xmlns:r="http://schemas.openxmlformats.org/officeDocument/2006/relationships" xmlns:p="http://schemas.openxmlformats.org/presentationml/2006/main">
+  <p:cSld>
+    <p:spTree>
+      <p:nvGrpSpPr>
+        <p:cNvPr id="1" name=""/>
+        <p:cNvGrpSpPr/>
+        <p:nvPr/>
+      </p:nvGrpSpPr>
+      <p:grpSpPr>
+        <a:xfrm>
+          <a:off x="0" y="0"/>
+          <a:ext cx="0" cy="0"/>
+          <a:chOff x="0" y="0"/>
+          <a:chExt cx="0" cy="0"/>
+        </a:xfrm>
+      </p:grpSpPr>
+      <p:sp>
+        <p:nvSpPr>
+          <p:cNvPr id="2" name="Title 1"/>
+          <p:cNvSpPr>
+            <a:spLocks noGrp="1"/>
+          </p:cNvSpPr>
+          <p:nvPr>
+            <p:ph type="title"/>
+          </p:nvPr>
+        </p:nvSpPr>
+        <p:spPr/>
+        <p:txBody>
+          <a:bodyPr/>
+          <a:lstStyle/>
+          <a:p>
+            <a:pPr lvl="0" marL="0" indent="0">
+              <a:buNone/>
+            </a:pPr>
+            <a:r>
+              <a:rPr/>
+              <a:t>Datos</a:t>
+            </a:r>
+            <a:r>
+              <a:rPr/>
+              <a:t> </a:t>
+            </a:r>
+            <a:r>
+              <a:rPr/>
+              <a:t>tipo</a:t>
+            </a:r>
+            <a:r>
+              <a:rPr/>
+              <a:t> </a:t>
+            </a:r>
+            <a:r>
+              <a:rPr/>
+              <a:t>factor</a:t>
+            </a:r>
+            <a:r>
+              <a:rPr/>
+              <a:t> </a:t>
+            </a:r>
+            <a:r>
+              <a:rPr/>
+              <a:t>en</a:t>
+            </a:r>
+            <a:r>
+              <a:rPr/>
+              <a:t> </a:t>
+            </a:r>
+            <a:r>
+              <a:rPr/>
+              <a:t>R</a:t>
+            </a:r>
+          </a:p>
+        </p:txBody>
+      </p:sp>
+      <p:sp>
+        <p:nvSpPr>
+          <p:cNvPr id="3" name="Content Placeholder 2"/>
+          <p:cNvSpPr>
+            <a:spLocks noGrp="1"/>
+          </p:cNvSpPr>
+          <p:nvPr>
+            <p:ph idx="1"/>
+          </p:nvPr>
+        </p:nvSpPr>
+        <p:spPr/>
+        <p:txBody>
+          <a:bodyPr/>
+          <a:lstStyle/>
+          <a:p>
+            <a:pPr lvl="0" marL="0" indent="0">
+              <a:buNone/>
+            </a:pPr>
+            <a:r>
+              <a:rPr/>
+              <a:t>Los factores son character o cualitativos o categóritos pero son etiquetados.</a:t>
+            </a:r>
+          </a:p>
+          <a:p>
+            <a:pPr lvl="0" indent="0">
+              <a:buNone/>
+            </a:pPr>
+            <a:r>
+              <a:rPr>
+                <a:latin typeface="Courier"/>
+              </a:rPr>
+              <a:t>estudios </a:t>
+            </a:r>
+            <a:r>
+              <a:rPr>
+                <a:solidFill>
+                  <a:srgbClr val="007020"/>
+                </a:solidFill>
+                <a:latin typeface="Courier"/>
+              </a:rPr>
+              <a:t>&lt;-</a:t>
+            </a:r>
+            <a:r>
+              <a:rPr>
+                <a:latin typeface="Courier"/>
+              </a:rPr>
+              <a:t> </a:t>
+            </a:r>
+            <a:r>
+              <a:rPr>
+                <a:solidFill>
+                  <a:srgbClr val="06287E"/>
+                </a:solidFill>
+                <a:latin typeface="Courier"/>
+              </a:rPr>
+              <a:t>c</a:t>
+            </a:r>
+            <a:r>
+              <a:rPr>
+                <a:latin typeface="Courier"/>
+              </a:rPr>
+              <a:t>(</a:t>
+            </a:r>
+            <a:r>
+              <a:rPr>
+                <a:solidFill>
+                  <a:srgbClr val="4070A0"/>
+                </a:solidFill>
+                <a:latin typeface="Courier"/>
+              </a:rPr>
+              <a:t>'PRIMARIA'</a:t>
+            </a:r>
+            <a:r>
+              <a:rPr>
+                <a:latin typeface="Courier"/>
+              </a:rPr>
+              <a:t>, </a:t>
+            </a:r>
+            <a:r>
+              <a:rPr>
+                <a:solidFill>
+                  <a:srgbClr val="4070A0"/>
+                </a:solidFill>
+                <a:latin typeface="Courier"/>
+              </a:rPr>
+              <a:t>'SECUNDARIA'</a:t>
+            </a:r>
+            <a:r>
+              <a:rPr>
+                <a:latin typeface="Courier"/>
+              </a:rPr>
+              <a:t>, </a:t>
+            </a:r>
+            <a:r>
+              <a:rPr>
+                <a:solidFill>
+                  <a:srgbClr val="4070A0"/>
+                </a:solidFill>
+                <a:latin typeface="Courier"/>
+              </a:rPr>
+              <a:t>'PREPARATORIA'</a:t>
+            </a:r>
+            <a:r>
+              <a:rPr>
+                <a:latin typeface="Courier"/>
+              </a:rPr>
+              <a:t>, </a:t>
+            </a:r>
+            <a:r>
+              <a:rPr>
+                <a:solidFill>
+                  <a:srgbClr val="4070A0"/>
+                </a:solidFill>
+                <a:latin typeface="Courier"/>
+              </a:rPr>
+              <a:t>'PROFESIONAL'</a:t>
+            </a:r>
+            <a:r>
+              <a:rPr>
+                <a:latin typeface="Courier"/>
+              </a:rPr>
+              <a:t>, </a:t>
+            </a:r>
+            <a:r>
+              <a:rPr>
+                <a:solidFill>
+                  <a:srgbClr val="4070A0"/>
+                </a:solidFill>
+                <a:latin typeface="Courier"/>
+              </a:rPr>
+              <a:t>'POSGRADO'</a:t>
+            </a:r>
+            <a:r>
+              <a:rPr>
+                <a:latin typeface="Courier"/>
+              </a:rPr>
+              <a:t>)</a:t>
+            </a:r>
+            <a:br/>
+            <a:br/>
+            <a:r>
+              <a:rPr>
+                <a:latin typeface="Courier"/>
+              </a:rPr>
+              <a:t>estudios</a:t>
+            </a:r>
+          </a:p>
+          <a:p>
+            <a:pPr lvl="0" indent="0">
+              <a:buNone/>
+            </a:pPr>
+            <a:r>
+              <a:rPr>
+                <a:latin typeface="Courier"/>
+              </a:rPr>
+              <a:t>## [1] "PRIMARIA"     "SECUNDARIA"   "PREPARATORIA" "PROFESIONAL"  "POSGRADO"</a:t>
+            </a:r>
+          </a:p>
+        </p:txBody>
+      </p:sp>
+    </p:spTree>
+  </p:cSld>
+</p:sld>
+</file>
+
+<file path=ppt/slides/slide6.xml><?xml version="1.0" encoding="utf-8"?>
+<p:sld xmlns:a="http://schemas.openxmlformats.org/drawingml/2006/main" xmlns:r="http://schemas.openxmlformats.org/officeDocument/2006/relationships" xmlns:p="http://schemas.openxmlformats.org/presentationml/2006/main">
+  <p:cSld>
+    <p:spTree>
+      <p:nvGrpSpPr>
+        <p:cNvPr id="1" name=""/>
+        <p:cNvGrpSpPr/>
+        <p:nvPr/>
+      </p:nvGrpSpPr>
+      <p:grpSpPr>
+        <a:xfrm>
+          <a:off x="0" y="0"/>
+          <a:ext cx="0" cy="0"/>
+          <a:chOff x="0" y="0"/>
+          <a:chExt cx="0" cy="0"/>
+        </a:xfrm>
+      </p:grpSpPr>
+      <p:sp>
+        <p:nvSpPr>
+          <p:cNvPr id="2" name="Title 1"/>
+          <p:cNvSpPr>
+            <a:spLocks noGrp="1"/>
+          </p:cNvSpPr>
+          <p:nvPr>
+            <p:ph type="title"/>
+          </p:nvPr>
+        </p:nvSpPr>
+        <p:spPr/>
+        <p:txBody>
+          <a:bodyPr/>
+          <a:lstStyle/>
+          <a:p>
+            <a:pPr lvl="0" marL="0" indent="0">
+              <a:buNone/>
+            </a:pPr>
+            <a:r>
+              <a:rPr/>
+              <a:t>Factorizar</a:t>
+            </a:r>
+            <a:r>
+              <a:rPr/>
+              <a:t> </a:t>
+            </a:r>
+            <a:r>
+              <a:rPr/>
+              <a:t>profesiones</a:t>
+            </a:r>
+          </a:p>
+        </p:txBody>
+      </p:sp>
+      <p:sp>
+        <p:nvSpPr>
+          <p:cNvPr id="3" name="Content Placeholder 2"/>
+          <p:cNvSpPr>
+            <a:spLocks noGrp="1"/>
+          </p:cNvSpPr>
+          <p:nvPr>
+            <p:ph idx="1"/>
+          </p:nvPr>
+        </p:nvSpPr>
+        <p:spPr/>
+        <p:txBody>
+          <a:bodyPr/>
+          <a:lstStyle/>
+          <a:p>
+            <a:pPr lvl="0" indent="0">
+              <a:buNone/>
+            </a:pPr>
+            <a:r>
+              <a:rPr>
+                <a:latin typeface="Courier"/>
+              </a:rPr>
+              <a:t>estudios </a:t>
+            </a:r>
+            <a:r>
+              <a:rPr>
+                <a:solidFill>
+                  <a:srgbClr val="007020"/>
+                </a:solidFill>
+                <a:latin typeface="Courier"/>
+              </a:rPr>
+              <a:t>&lt;-</a:t>
+            </a:r>
+            <a:r>
+              <a:rPr>
+                <a:latin typeface="Courier"/>
+              </a:rPr>
+              <a:t> </a:t>
+            </a:r>
+            <a:r>
+              <a:rPr>
+                <a:solidFill>
+                  <a:srgbClr val="06287E"/>
+                </a:solidFill>
+                <a:latin typeface="Courier"/>
+              </a:rPr>
+              <a:t>as.factor</a:t>
+            </a:r>
+            <a:r>
+              <a:rPr>
+                <a:latin typeface="Courier"/>
+              </a:rPr>
+              <a:t>(estudios)</a:t>
+            </a:r>
+            <a:br/>
+            <a:r>
+              <a:rPr>
+                <a:latin typeface="Courier"/>
+              </a:rPr>
+              <a:t>estudios</a:t>
+            </a:r>
+          </a:p>
+          <a:p>
+            <a:pPr lvl="0" indent="0">
+              <a:buNone/>
+            </a:pPr>
+            <a:r>
+              <a:rPr>
+                <a:latin typeface="Courier"/>
+              </a:rPr>
+              <a:t>## [1] PRIMARIA     SECUNDARIA   PREPARATORIA PROFESIONAL  POSGRADO    
+## Levels: POSGRADO PREPARATORIA PRIMARIA PROFESIONAL SECUNDARIA</a:t>
+            </a:r>
+          </a:p>
+        </p:txBody>
+      </p:sp>
+    </p:spTree>
+  </p:cSld>
+</p:sld>
+</file>
+
+<file path=ppt/slides/slide7.xml><?xml version="1.0" encoding="utf-8"?>
+<p:sld xmlns:a="http://schemas.openxmlformats.org/drawingml/2006/main" xmlns:r="http://schemas.openxmlformats.org/officeDocument/2006/relationships" xmlns:p="http://schemas.openxmlformats.org/presentationml/2006/main">
+  <p:cSld>
+    <p:spTree>
+      <p:nvGrpSpPr>
+        <p:cNvPr id="1" name=""/>
+        <p:cNvGrpSpPr/>
+        <p:nvPr/>
+      </p:nvGrpSpPr>
+      <p:grpSpPr>
+        <a:xfrm>
+          <a:off x="0" y="0"/>
+          <a:ext cx="0" cy="0"/>
+          <a:chOff x="0" y="0"/>
+          <a:chExt cx="0" cy="0"/>
+        </a:xfrm>
+      </p:grpSpPr>
+      <p:sp>
+        <p:nvSpPr>
+          <p:cNvPr id="2" name="Title 1"/>
+          <p:cNvSpPr>
+            <a:spLocks noGrp="1"/>
+          </p:cNvSpPr>
+          <p:nvPr>
+            <p:ph type="title"/>
+          </p:nvPr>
+        </p:nvSpPr>
+        <p:spPr/>
+        <p:txBody>
+          <a:bodyPr/>
+          <a:lstStyle/>
+          <a:p>
+            <a:pPr lvl="0" marL="0" indent="0">
+              <a:buNone/>
+            </a:pPr>
+            <a:r>
+              <a:rPr/>
+              <a:t>Niveles</a:t>
+            </a:r>
+            <a:r>
+              <a:rPr/>
+              <a:t> </a:t>
+            </a:r>
+            <a:r>
+              <a:rPr/>
+              <a:t>de</a:t>
+            </a:r>
+            <a:r>
+              <a:rPr/>
+              <a:t> </a:t>
+            </a:r>
+            <a:r>
+              <a:rPr/>
+              <a:t>datos</a:t>
+            </a:r>
+            <a:r>
+              <a:rPr/>
+              <a:t> </a:t>
+            </a:r>
+            <a:r>
+              <a:rPr/>
+              <a:t>categóricos</a:t>
+            </a:r>
+            <a:r>
+              <a:rPr/>
+              <a:t> </a:t>
+            </a:r>
+            <a:r>
+              <a:rPr/>
+              <a:t>tipo</a:t>
+            </a:r>
+            <a:r>
+              <a:rPr/>
+              <a:t> </a:t>
+            </a:r>
+            <a:r>
+              <a:rPr/>
+              <a:t>factor</a:t>
+            </a:r>
+          </a:p>
+        </p:txBody>
+      </p:sp>
+      <p:sp>
+        <p:nvSpPr>
+          <p:cNvPr id="3" name="Content Placeholder 2"/>
+          <p:cNvSpPr>
+            <a:spLocks noGrp="1"/>
+          </p:cNvSpPr>
+          <p:nvPr>
+            <p:ph idx="1"/>
+          </p:nvPr>
+        </p:nvSpPr>
+        <p:spPr/>
+        <p:txBody>
+          <a:bodyPr/>
+          <a:lstStyle/>
+          <a:p>
+            <a:pPr lvl="0" indent="0">
+              <a:buNone/>
+            </a:pPr>
+            <a:r>
+              <a:rPr>
+                <a:solidFill>
+                  <a:srgbClr val="06287E"/>
+                </a:solidFill>
+                <a:latin typeface="Courier"/>
+              </a:rPr>
+              <a:t>levels</a:t>
+            </a:r>
+            <a:r>
+              <a:rPr>
+                <a:latin typeface="Courier"/>
+              </a:rPr>
+              <a:t>(estudios)</a:t>
+            </a:r>
+          </a:p>
+          <a:p>
+            <a:pPr lvl="0" indent="0">
+              <a:buNone/>
+            </a:pPr>
+            <a:r>
+              <a:rPr>
+                <a:latin typeface="Courier"/>
+              </a:rPr>
+              <a:t>## [1] "POSGRADO"     "PREPARATORIA" "PRIMARIA"     "PROFESIONAL"  "SECUNDARIA"</a:t>
+            </a:r>
+          </a:p>
+        </p:txBody>
+      </p:sp>
+    </p:spTree>
+  </p:cSld>
+</p:sld>
+</file>
+
+<file path=ppt/slides/slide8.xml><?xml version="1.0" encoding="utf-8"?>
+<p:sld xmlns:a="http://schemas.openxmlformats.org/drawingml/2006/main" xmlns:r="http://schemas.openxmlformats.org/officeDocument/2006/relationships" xmlns:p="http://schemas.openxmlformats.org/presentationml/2006/main">
+  <p:cSld>
+    <p:spTree>
+      <p:nvGrpSpPr>
+        <p:cNvPr id="1" name=""/>
+        <p:cNvGrpSpPr/>
+        <p:nvPr/>
+      </p:nvGrpSpPr>
+      <p:grpSpPr>
+        <a:xfrm>
+          <a:off x="0" y="0"/>
+          <a:ext cx="0" cy="0"/>
+          <a:chOff x="0" y="0"/>
+          <a:chExt cx="0" cy="0"/>
+        </a:xfrm>
+      </p:grpSpPr>
+      <p:sp>
+        <p:nvSpPr>
+          <p:cNvPr id="2" name="Title 1"/>
+          <p:cNvSpPr>
+            <a:spLocks noGrp="1"/>
+          </p:cNvSpPr>
+          <p:nvPr>
+            <p:ph type="title"/>
+          </p:nvPr>
+        </p:nvSpPr>
+        <p:spPr/>
+        <p:txBody>
+          <a:bodyPr/>
+          <a:lstStyle/>
+          <a:p>
+            <a:pPr lvl="0" marL="0" indent="0">
+              <a:buNone/>
+            </a:pPr>
+            <a:r>
+              <a:rPr/>
+              <a:t>Ejemplo</a:t>
+            </a:r>
+            <a:r>
+              <a:rPr/>
+              <a:t> </a:t>
+            </a:r>
+            <a:r>
+              <a:rPr/>
+              <a:t>dato</a:t>
+            </a:r>
+            <a:r>
+              <a:rPr/>
+              <a:t> </a:t>
+            </a:r>
+            <a:r>
+              <a:rPr/>
+              <a:t>de</a:t>
+            </a:r>
+            <a:r>
+              <a:rPr/>
+              <a:t> </a:t>
+            </a:r>
+            <a:r>
+              <a:rPr/>
+              <a:t>ingresos</a:t>
+            </a:r>
+            <a:r>
+              <a:rPr/>
+              <a:t> </a:t>
+            </a:r>
+            <a:r>
+              <a:rPr/>
+              <a:t>numérico</a:t>
+            </a:r>
+          </a:p>
+        </p:txBody>
+      </p:sp>
+      <p:sp>
+        <p:nvSpPr>
+          <p:cNvPr id="3" name="Content Placeholder 2"/>
+          <p:cNvSpPr>
+            <a:spLocks noGrp="1"/>
+          </p:cNvSpPr>
+          <p:nvPr>
+            <p:ph idx="1"/>
+          </p:nvPr>
+        </p:nvSpPr>
+        <p:spPr/>
+        <p:txBody>
+          <a:bodyPr/>
+          <a:lstStyle/>
+          <a:p>
+            <a:pPr lvl="0" indent="0">
+              <a:buNone/>
+            </a:pPr>
+            <a:r>
+              <a:rPr>
+                <a:latin typeface="Courier"/>
+              </a:rPr>
+              <a:t>ingresos </a:t>
+            </a:r>
+            <a:r>
+              <a:rPr>
+                <a:solidFill>
+                  <a:srgbClr val="007020"/>
+                </a:solidFill>
+                <a:latin typeface="Courier"/>
+              </a:rPr>
+              <a:t>&lt;-</a:t>
+            </a:r>
+            <a:r>
+              <a:rPr>
+                <a:latin typeface="Courier"/>
+              </a:rPr>
+              <a:t> </a:t>
+            </a:r>
+            <a:r>
+              <a:rPr>
+                <a:solidFill>
+                  <a:srgbClr val="06287E"/>
+                </a:solidFill>
+                <a:latin typeface="Courier"/>
+              </a:rPr>
+              <a:t>c</a:t>
+            </a:r>
+            <a:r>
+              <a:rPr>
+                <a:latin typeface="Courier"/>
+              </a:rPr>
+              <a:t>(</a:t>
+            </a:r>
+            <a:r>
+              <a:rPr>
+                <a:solidFill>
+                  <a:srgbClr val="40A070"/>
+                </a:solidFill>
+                <a:latin typeface="Courier"/>
+              </a:rPr>
+              <a:t>5</a:t>
+            </a:r>
+            <a:r>
+              <a:rPr>
+                <a:latin typeface="Courier"/>
+              </a:rPr>
+              <a:t>,</a:t>
+            </a:r>
+            <a:r>
+              <a:rPr>
+                <a:solidFill>
+                  <a:srgbClr val="40A070"/>
+                </a:solidFill>
+                <a:latin typeface="Courier"/>
+              </a:rPr>
+              <a:t>10</a:t>
+            </a:r>
+            <a:r>
+              <a:rPr>
+                <a:latin typeface="Courier"/>
+              </a:rPr>
+              <a:t>,</a:t>
+            </a:r>
+            <a:r>
+              <a:rPr>
+                <a:solidFill>
+                  <a:srgbClr val="40A070"/>
+                </a:solidFill>
+                <a:latin typeface="Courier"/>
+              </a:rPr>
+              <a:t>15</a:t>
+            </a:r>
+            <a:r>
+              <a:rPr>
+                <a:latin typeface="Courier"/>
+              </a:rPr>
+              <a:t>)</a:t>
+            </a:r>
+            <a:br/>
+            <a:r>
+              <a:rPr>
+                <a:latin typeface="Courier"/>
+              </a:rPr>
+              <a:t>ingresos</a:t>
+            </a:r>
+          </a:p>
+          <a:p>
+            <a:pPr lvl="0" indent="0">
+              <a:buNone/>
+            </a:pPr>
+            <a:r>
+              <a:rPr>
+                <a:latin typeface="Courier"/>
+              </a:rPr>
+              <a:t>## [1]  5 10 15</a:t>
+            </a:r>
+          </a:p>
+          <a:p>
+            <a:pPr lvl="0" indent="0">
+              <a:buNone/>
+            </a:pPr>
+            <a:r>
+              <a:rPr>
+                <a:solidFill>
+                  <a:srgbClr val="06287E"/>
+                </a:solidFill>
+                <a:latin typeface="Courier"/>
+              </a:rPr>
+              <a:t>class</a:t>
+            </a:r>
+            <a:r>
+              <a:rPr>
+                <a:latin typeface="Courier"/>
+              </a:rPr>
+              <a:t>(ingresos)</a:t>
+            </a:r>
+          </a:p>
+          <a:p>
+            <a:pPr lvl="0" indent="0">
+              <a:buNone/>
+            </a:pPr>
+            <a:r>
+              <a:rPr>
+                <a:latin typeface="Courier"/>
+              </a:rPr>
+              <a:t>## [1] "numeric"</a:t>
+            </a:r>
+          </a:p>
+        </p:txBody>
+      </p:sp>
+    </p:spTree>
+  </p:cSld>
+</p:sld>
+</file>
+
+<file path=ppt/slides/slide9.xml><?xml version="1.0" encoding="utf-8"?>
+<p:sld xmlns:a="http://schemas.openxmlformats.org/drawingml/2006/main" xmlns:r="http://schemas.openxmlformats.org/officeDocument/2006/relationships" xmlns:p="http://schemas.openxmlformats.org/presentationml/2006/main">
+  <p:cSld>
+    <p:spTree>
+      <p:nvGrpSpPr>
+        <p:cNvPr id="1" name=""/>
+        <p:cNvGrpSpPr/>
+        <p:nvPr/>
+      </p:nvGrpSpPr>
+      <p:grpSpPr>
+        <a:xfrm>
+          <a:off x="0" y="0"/>
+          <a:ext cx="0" cy="0"/>
+          <a:chOff x="0" y="0"/>
+          <a:chExt cx="0" cy="0"/>
+        </a:xfrm>
+      </p:grpSpPr>
+      <p:sp>
+        <p:nvSpPr>
+          <p:cNvPr id="2" name="Title 1"/>
+          <p:cNvSpPr>
+            <a:spLocks noGrp="1"/>
+          </p:cNvSpPr>
+          <p:nvPr>
+            <p:ph type="title"/>
+          </p:nvPr>
+        </p:nvSpPr>
+        <p:spPr/>
+        <p:txBody>
+          <a:bodyPr/>
+          <a:lstStyle/>
+          <a:p>
+            <a:pPr lvl="0" marL="0" indent="0">
+              <a:buNone/>
+            </a:pPr>
+            <a:r>
+              <a:rPr/>
+              <a:t>Ejemplo</a:t>
+            </a:r>
+            <a:r>
+              <a:rPr/>
+              <a:t> </a:t>
+            </a:r>
+            <a:r>
+              <a:rPr/>
+              <a:t>de</a:t>
+            </a:r>
+            <a:r>
+              <a:rPr/>
+              <a:t> </a:t>
+            </a:r>
+            <a:r>
+              <a:rPr/>
+              <a:t>ingreso</a:t>
+            </a:r>
+            <a:r>
+              <a:rPr/>
+              <a:t> </a:t>
+            </a:r>
+            <a:r>
+              <a:rPr/>
+              <a:t>character</a:t>
+            </a:r>
+          </a:p>
+        </p:txBody>
+      </p:sp>
+      <p:sp>
+        <p:nvSpPr>
+          <p:cNvPr id="3" name="Content Placeholder 2"/>
+          <p:cNvSpPr>
+            <a:spLocks noGrp="1"/>
+          </p:cNvSpPr>
+          <p:nvPr>
+            <p:ph idx="1"/>
+          </p:nvPr>
+        </p:nvSpPr>
+        <p:spPr/>
+        <p:txBody>
+          <a:bodyPr/>
+          <a:lstStyle/>
+          <a:p>
+            <a:pPr lvl="0" indent="0">
+              <a:buNone/>
+            </a:pPr>
+            <a:r>
+              <a:rPr>
+                <a:latin typeface="Courier"/>
+              </a:rPr>
+              <a:t>ingreso </a:t>
+            </a:r>
+            <a:r>
+              <a:rPr>
+                <a:solidFill>
+                  <a:srgbClr val="007020"/>
+                </a:solidFill>
+                <a:latin typeface="Courier"/>
+              </a:rPr>
+              <a:t>&lt;-</a:t>
+            </a:r>
+            <a:r>
+              <a:rPr>
+                <a:latin typeface="Courier"/>
+              </a:rPr>
+              <a:t> </a:t>
+            </a:r>
+            <a:r>
+              <a:rPr>
+                <a:solidFill>
+                  <a:srgbClr val="06287E"/>
+                </a:solidFill>
+                <a:latin typeface="Courier"/>
+              </a:rPr>
+              <a:t>c</a:t>
+            </a:r>
+            <a:r>
+              <a:rPr>
+                <a:latin typeface="Courier"/>
+              </a:rPr>
+              <a:t>(</a:t>
+            </a:r>
+            <a:r>
+              <a:rPr>
+                <a:solidFill>
+                  <a:srgbClr val="4070A0"/>
+                </a:solidFill>
+                <a:latin typeface="Courier"/>
+              </a:rPr>
+              <a:t>'1-5'</a:t>
+            </a:r>
+            <a:r>
+              <a:rPr>
+                <a:latin typeface="Courier"/>
+              </a:rPr>
+              <a:t>, </a:t>
+            </a:r>
+            <a:r>
+              <a:rPr>
+                <a:solidFill>
+                  <a:srgbClr val="4070A0"/>
+                </a:solidFill>
+                <a:latin typeface="Courier"/>
+              </a:rPr>
+              <a:t>'5-10'</a:t>
+            </a:r>
+            <a:r>
+              <a:rPr>
+                <a:latin typeface="Courier"/>
+              </a:rPr>
+              <a:t>, </a:t>
+            </a:r>
+            <a:r>
+              <a:rPr>
+                <a:solidFill>
+                  <a:srgbClr val="4070A0"/>
+                </a:solidFill>
+                <a:latin typeface="Courier"/>
+              </a:rPr>
+              <a:t>'5-15'</a:t>
+            </a:r>
+            <a:r>
+              <a:rPr>
+                <a:latin typeface="Courier"/>
+              </a:rPr>
+              <a:t>)</a:t>
+            </a:r>
+            <a:br/>
+            <a:r>
+              <a:rPr>
+                <a:latin typeface="Courier"/>
+              </a:rPr>
+              <a:t>ingreso</a:t>
+            </a:r>
+          </a:p>
+          <a:p>
+            <a:pPr lvl="0" indent="0">
+              <a:buNone/>
+            </a:pPr>
+            <a:r>
+              <a:rPr>
+                <a:latin typeface="Courier"/>
+              </a:rPr>
+              <a:t>## [1] "1-5"  "5-10" "5-15"</a:t>
+            </a:r>
+          </a:p>
+          <a:p>
+            <a:pPr lvl="0" indent="0">
+              <a:buNone/>
+            </a:pPr>
+            <a:r>
+              <a:rPr>
+                <a:solidFill>
+                  <a:srgbClr val="06287E"/>
+                </a:solidFill>
+                <a:latin typeface="Courier"/>
+              </a:rPr>
+              <a:t>class</a:t>
+            </a:r>
+            <a:r>
+              <a:rPr>
+                <a:latin typeface="Courier"/>
+              </a:rPr>
+              <a:t>(ingreso)</a:t>
+            </a:r>
+          </a:p>
+          <a:p>
+            <a:pPr lvl="0" indent="0">
+              <a:buNone/>
+            </a:pPr>
+            <a:r>
+              <a:rPr>
+                <a:latin typeface="Courier"/>
+              </a:rPr>
+              <a:t>## [1] "character"</a:t>
             </a:r>
           </a:p>
         </p:txBody>
